--- a/졸업프로젝트SE03/테라피_시퀀스다이어그램_발표자료.pptx
+++ b/졸업프로젝트SE03/테라피_시퀀스다이어그램_발표자료.pptx
@@ -3366,10 +3366,6 @@
               <a:rPr lang="ko-KR" altLang="en-US" dirty="0"/>
               <a:t> 조</a:t>
             </a:r>
-            <a:r>
-              <a:rPr lang="en-US" altLang="ko-KR" dirty="0"/>
-              <a:t/>
-            </a:r>
             <a:br>
               <a:rPr lang="en-US" altLang="ko-KR" dirty="0"/>
             </a:br>
@@ -3440,6 +3436,93 @@
           </a:p>
           <a:p>
             <a:endParaRPr lang="ko-KR" altLang="en-US" dirty="0"/>
+          </a:p>
+        </p:txBody>
+      </p:sp>
+      <p:sp>
+        <p:nvSpPr>
+          <p:cNvPr id="4" name="TextBox 3">
+            <a:extLst>
+              <a:ext uri="{FF2B5EF4-FFF2-40B4-BE49-F238E27FC236}">
+                <a16:creationId xmlns:a16="http://schemas.microsoft.com/office/drawing/2014/main" id="{710D68E4-4D0D-4D41-9529-6E0D5C1D2708}"/>
+              </a:ext>
+            </a:extLst>
+          </p:cNvPr>
+          <p:cNvSpPr txBox="1"/>
+          <p:nvPr/>
+        </p:nvSpPr>
+        <p:spPr>
+          <a:xfrm>
+            <a:off x="991672" y="4713668"/>
+            <a:ext cx="3580327" cy="646331"/>
+          </a:xfrm>
+          <a:prstGeom prst="rect">
+            <a:avLst/>
+          </a:prstGeom>
+          <a:noFill/>
+        </p:spPr>
+        <p:txBody>
+          <a:bodyPr wrap="square" rtlCol="0">
+            <a:spAutoFit/>
+          </a:bodyPr>
+          <a:lstStyle/>
+          <a:p>
+            <a:r>
+              <a:rPr lang="ko-KR" altLang="en-US" dirty="0"/>
+              <a:t>유튜브</a:t>
+            </a:r>
+            <a:endParaRPr lang="en-US" altLang="ko-KR" dirty="0"/>
+          </a:p>
+          <a:p>
+            <a:r>
+              <a:rPr lang="en-US" altLang="ko-KR" dirty="0"/>
+              <a:t>https://youtu.be/LcWHNjoylRI</a:t>
+            </a:r>
+          </a:p>
+        </p:txBody>
+      </p:sp>
+      <p:sp>
+        <p:nvSpPr>
+          <p:cNvPr id="5" name="TextBox 4">
+            <a:extLst>
+              <a:ext uri="{FF2B5EF4-FFF2-40B4-BE49-F238E27FC236}">
+                <a16:creationId xmlns:a16="http://schemas.microsoft.com/office/drawing/2014/main" id="{EBF9DA60-140A-47BC-80A8-29719E4E712C}"/>
+              </a:ext>
+            </a:extLst>
+          </p:cNvPr>
+          <p:cNvSpPr txBox="1"/>
+          <p:nvPr/>
+        </p:nvSpPr>
+        <p:spPr>
+          <a:xfrm>
+            <a:off x="991671" y="5735637"/>
+            <a:ext cx="10985681" cy="553998"/>
+          </a:xfrm>
+          <a:prstGeom prst="rect">
+            <a:avLst/>
+          </a:prstGeom>
+          <a:noFill/>
+        </p:spPr>
+        <p:txBody>
+          <a:bodyPr wrap="square" rtlCol="0">
+            <a:spAutoFit/>
+          </a:bodyPr>
+          <a:lstStyle/>
+          <a:p>
+            <a:r>
+              <a:rPr lang="ko-KR" altLang="en-US" dirty="0" err="1"/>
+              <a:t>깃헙</a:t>
+            </a:r>
+            <a:endParaRPr lang="en-US" altLang="ko-KR" dirty="0"/>
+          </a:p>
+          <a:p>
+            <a:r>
+              <a:rPr lang="en-US" altLang="ko-KR" sz="1200" dirty="0">
+                <a:hlinkClick r:id="rId2"/>
+              </a:rPr>
+              <a:t>https://github.com/pjw9412/designSprint_Therapy/tree/master/%EC%A1%B8%EC%97%85%ED%94%84%EB%A1%9C%EC%A0%9D%ED%8A%B8SE03</a:t>
+            </a:r>
+            <a:endParaRPr lang="ko-KR" altLang="en-US" sz="1200" dirty="0"/>
           </a:p>
         </p:txBody>
       </p:sp>

--- a/졸업프로젝트SE03/테라피_시퀀스다이어그램_발표자료.pptx
+++ b/졸업프로젝트SE03/테라피_시퀀스다이어그램_발표자료.pptx
@@ -3366,6 +3366,10 @@
               <a:rPr lang="ko-KR" altLang="en-US" dirty="0"/>
               <a:t> 조</a:t>
             </a:r>
+            <a:r>
+              <a:rPr lang="en-US" altLang="ko-KR" dirty="0"/>
+              <a:t/>
+            </a:r>
             <a:br>
               <a:rPr lang="en-US" altLang="ko-KR" dirty="0"/>
             </a:br>
@@ -3436,93 +3440,6 @@
           </a:p>
           <a:p>
             <a:endParaRPr lang="ko-KR" altLang="en-US" dirty="0"/>
-          </a:p>
-        </p:txBody>
-      </p:sp>
-      <p:sp>
-        <p:nvSpPr>
-          <p:cNvPr id="4" name="TextBox 3">
-            <a:extLst>
-              <a:ext uri="{FF2B5EF4-FFF2-40B4-BE49-F238E27FC236}">
-                <a16:creationId xmlns:a16="http://schemas.microsoft.com/office/drawing/2014/main" id="{710D68E4-4D0D-4D41-9529-6E0D5C1D2708}"/>
-              </a:ext>
-            </a:extLst>
-          </p:cNvPr>
-          <p:cNvSpPr txBox="1"/>
-          <p:nvPr/>
-        </p:nvSpPr>
-        <p:spPr>
-          <a:xfrm>
-            <a:off x="991672" y="4713668"/>
-            <a:ext cx="3580327" cy="646331"/>
-          </a:xfrm>
-          <a:prstGeom prst="rect">
-            <a:avLst/>
-          </a:prstGeom>
-          <a:noFill/>
-        </p:spPr>
-        <p:txBody>
-          <a:bodyPr wrap="square" rtlCol="0">
-            <a:spAutoFit/>
-          </a:bodyPr>
-          <a:lstStyle/>
-          <a:p>
-            <a:r>
-              <a:rPr lang="ko-KR" altLang="en-US" dirty="0"/>
-              <a:t>유튜브</a:t>
-            </a:r>
-            <a:endParaRPr lang="en-US" altLang="ko-KR" dirty="0"/>
-          </a:p>
-          <a:p>
-            <a:r>
-              <a:rPr lang="en-US" altLang="ko-KR" dirty="0"/>
-              <a:t>https://youtu.be/LcWHNjoylRI</a:t>
-            </a:r>
-          </a:p>
-        </p:txBody>
-      </p:sp>
-      <p:sp>
-        <p:nvSpPr>
-          <p:cNvPr id="5" name="TextBox 4">
-            <a:extLst>
-              <a:ext uri="{FF2B5EF4-FFF2-40B4-BE49-F238E27FC236}">
-                <a16:creationId xmlns:a16="http://schemas.microsoft.com/office/drawing/2014/main" id="{EBF9DA60-140A-47BC-80A8-29719E4E712C}"/>
-              </a:ext>
-            </a:extLst>
-          </p:cNvPr>
-          <p:cNvSpPr txBox="1"/>
-          <p:nvPr/>
-        </p:nvSpPr>
-        <p:spPr>
-          <a:xfrm>
-            <a:off x="991671" y="5735637"/>
-            <a:ext cx="10985681" cy="553998"/>
-          </a:xfrm>
-          <a:prstGeom prst="rect">
-            <a:avLst/>
-          </a:prstGeom>
-          <a:noFill/>
-        </p:spPr>
-        <p:txBody>
-          <a:bodyPr wrap="square" rtlCol="0">
-            <a:spAutoFit/>
-          </a:bodyPr>
-          <a:lstStyle/>
-          <a:p>
-            <a:r>
-              <a:rPr lang="ko-KR" altLang="en-US" dirty="0" err="1"/>
-              <a:t>깃헙</a:t>
-            </a:r>
-            <a:endParaRPr lang="en-US" altLang="ko-KR" dirty="0"/>
-          </a:p>
-          <a:p>
-            <a:r>
-              <a:rPr lang="en-US" altLang="ko-KR" sz="1200" dirty="0">
-                <a:hlinkClick r:id="rId2"/>
-              </a:rPr>
-              <a:t>https://github.com/pjw9412/designSprint_Therapy/tree/master/%EC%A1%B8%EC%97%85%ED%94%84%EB%A1%9C%EC%A0%9D%ED%8A%B8SE03</a:t>
-            </a:r>
-            <a:endParaRPr lang="ko-KR" altLang="en-US" sz="1200" dirty="0"/>
           </a:p>
         </p:txBody>
       </p:sp>

--- a/졸업프로젝트SE03/테라피_시퀀스다이어그램_발표자료.pptx
+++ b/졸업프로젝트SE03/테라피_시퀀스다이어그램_발표자료.pptx
@@ -3366,6 +3366,10 @@
               <a:rPr lang="ko-KR" altLang="en-US" dirty="0"/>
               <a:t> 조</a:t>
             </a:r>
+            <a:r>
+              <a:rPr lang="en-US" altLang="ko-KR" dirty="0"/>
+              <a:t/>
+            </a:r>
             <a:br>
               <a:rPr lang="en-US" altLang="ko-KR" dirty="0"/>
             </a:br>
@@ -3910,9 +3914,14 @@
               <a:t>유즈</a:t>
             </a:r>
             <a:r>
-              <a:rPr lang="ko-KR" altLang="en-US" dirty="0"/>
-              <a:t> 케이스 </a:t>
-            </a:r>
+              <a:rPr lang="ko-KR" altLang="en-US"/>
+              <a:t> </a:t>
+            </a:r>
+            <a:r>
+              <a:rPr lang="ko-KR" altLang="en-US" smtClean="0"/>
+              <a:t>케이스  </a:t>
+            </a:r>
+            <a:endParaRPr lang="ko-KR" altLang="en-US" dirty="0"/>
           </a:p>
         </p:txBody>
       </p:sp>
